--- a/raw/examination_guide/Examination-Guide-EN.pptx
+++ b/raw/examination_guide/Examination-Guide-EN.pptx
@@ -9768,113 +9768,6 @@
             <a:endParaRPr lang="de-DE" sz="3600" b="1" i="0" u="none" strike="noStrike" kern="1200" cap="none" spc="0" baseline="0" dirty="0">
               <a:solidFill>
                 <a:srgbClr val="666666"/>
-              </a:solidFill>
-              <a:uFillTx/>
-              <a:latin typeface="Arial" pitchFamily="18"/>
-              <a:ea typeface="SimSun" pitchFamily="2"/>
-              <a:cs typeface="Lucida Sans" pitchFamily="2"/>
-            </a:endParaRPr>
-          </a:p>
-        </p:txBody>
-      </p:sp>
-      <p:sp>
-        <p:nvSpPr>
-          <p:cNvPr id="4" name="Textfeld 3">
-            <a:extLst>
-              <a:ext uri="{FF2B5EF4-FFF2-40B4-BE49-F238E27FC236}">
-                <a16:creationId xmlns:a16="http://schemas.microsoft.com/office/drawing/2014/main" id="{39D7E83F-4822-4D7A-B5A0-F6DBA0E9A051}"/>
-              </a:ext>
-            </a:extLst>
-          </p:cNvPr>
-          <p:cNvSpPr txBox="1"/>
-          <p:nvPr/>
-        </p:nvSpPr>
-        <p:spPr>
-          <a:xfrm>
-            <a:off x="431999" y="5723997"/>
-            <a:ext cx="3431633" cy="798627"/>
-          </a:xfrm>
-          <a:prstGeom prst="rect">
-            <a:avLst/>
-          </a:prstGeom>
-          <a:noFill/>
-          <a:ln cap="flat">
-            <a:noFill/>
-          </a:ln>
-        </p:spPr>
-        <p:txBody>
-          <a:bodyPr vert="horz" wrap="none" lIns="90004" tIns="44997" rIns="90004" bIns="44997" anchor="t" anchorCtr="0" compatLnSpc="0">
-            <a:spAutoFit/>
-          </a:bodyPr>
-          <a:lstStyle/>
-          <a:p>
-            <a:pPr marL="0" marR="0" lvl="0" indent="0" algn="l" defTabSz="914400" rtl="0" fontAlgn="auto" hangingPunct="0">
-              <a:lnSpc>
-                <a:spcPct val="100000"/>
-              </a:lnSpc>
-              <a:spcBef>
-                <a:spcPts val="0"/>
-              </a:spcBef>
-              <a:spcAft>
-                <a:spcPts val="0"/>
-              </a:spcAft>
-              <a:buNone/>
-              <a:tabLst/>
-              <a:defRPr sz="1800" b="0" i="0" u="none" strike="noStrike" kern="0" cap="none" spc="0" baseline="0">
-                <a:solidFill>
-                  <a:srgbClr val="000000"/>
-                </a:solidFill>
-                <a:uFillTx/>
-              </a:defRPr>
-            </a:pPr>
-            <a:r>
-              <a:rPr lang="de-DE" sz="2400" b="1" i="0" u="none" strike="noStrike" kern="1200" cap="none" spc="0" baseline="0">
-                <a:solidFill>
-                  <a:srgbClr val="FFFFFF"/>
-                </a:solidFill>
-                <a:uFillTx/>
-                <a:latin typeface="Arial" pitchFamily="18"/>
-                <a:ea typeface="SimSun" pitchFamily="2"/>
-                <a:cs typeface="Lucida Sans" pitchFamily="2"/>
-              </a:rPr>
-              <a:t>Name of the presenter</a:t>
-            </a:r>
-          </a:p>
-          <a:p>
-            <a:pPr marL="0" marR="0" lvl="0" indent="0" algn="l" defTabSz="914400" rtl="0" fontAlgn="auto" hangingPunct="0">
-              <a:lnSpc>
-                <a:spcPct val="100000"/>
-              </a:lnSpc>
-              <a:spcBef>
-                <a:spcPts val="0"/>
-              </a:spcBef>
-              <a:spcAft>
-                <a:spcPts val="0"/>
-              </a:spcAft>
-              <a:buNone/>
-              <a:tabLst/>
-              <a:defRPr sz="1800" b="0" i="0" u="none" strike="noStrike" kern="0" cap="none" spc="0" baseline="0">
-                <a:solidFill>
-                  <a:srgbClr val="000000"/>
-                </a:solidFill>
-                <a:uFillTx/>
-              </a:defRPr>
-            </a:pPr>
-            <a:r>
-              <a:rPr lang="de-DE" sz="2400" b="1" i="0" u="none" strike="noStrike" kern="0" cap="none" spc="0" baseline="0">
-                <a:solidFill>
-                  <a:srgbClr val="FFFFFF"/>
-                </a:solidFill>
-                <a:uFillTx/>
-                <a:latin typeface="Arial" pitchFamily="18"/>
-                <a:ea typeface="SimSun" pitchFamily="2"/>
-                <a:cs typeface="Lucida Sans" pitchFamily="2"/>
-              </a:rPr>
-              <a:t>Date</a:t>
-            </a:r>
-            <a:endParaRPr lang="de-DE" sz="2400" b="1" i="0" u="none" strike="noStrike" kern="1200" cap="none" spc="0" baseline="0">
-              <a:solidFill>
-                <a:srgbClr val="FFFFFF"/>
               </a:solidFill>
               <a:uFillTx/>
               <a:latin typeface="Arial" pitchFamily="18"/>

--- a/raw/examination_guide/Examination-Guide-EN.pptx
+++ b/raw/examination_guide/Examination-Guide-EN.pptx
@@ -6930,8 +6930,8 @@
         </p:nvSpPr>
         <p:spPr bwMode="auto">
           <a:xfrm>
-            <a:off x="572772" y="2136746"/>
-            <a:ext cx="7834240" cy="1577355"/>
+            <a:off x="572770" y="2205441"/>
+            <a:ext cx="7834491" cy="1440216"/>
           </a:xfrm>
           <a:prstGeom prst="rect">
             <a:avLst/>
@@ -7158,7 +7158,7 @@
                 <a:latin typeface="Roboto"/>
                 <a:ea typeface="Roboto"/>
               </a:rPr>
-              <a:t>A-Question: Select one option. – 1 point</a:t>
+              <a:t>A-Question: Select one option.	1 point</a:t>
             </a:r>
             <a:endParaRPr lang="de-DE" b="0" i="0" u="none" strike="noStrike" cap="none">
               <a:ln>
@@ -7202,7 +7202,7 @@
                 <a:latin typeface="Roboto"/>
                 <a:ea typeface="Roboto"/>
               </a:rPr>
-              <a:t>­­­­­ID: Q-20-04-01</a:t>
+              <a:t>ID: Q-20-04-01</a:t>
             </a:r>
             <a:endParaRPr/>
           </a:p>
@@ -7329,7 +7329,7 @@
           <a:graphicData uri="http://schemas.openxmlformats.org/drawingml/2006/table">
             <a:tbl>
               <a:tblPr firstRow="0" firstCol="0" lastRow="0" lastCol="0" bandRow="0" bandCol="0">
-                <a:tableStyleId>{BF7E75CB-FBE1-BEB3-4AE6-39638113799B}</a:tableStyleId>
+                <a:tableStyleId>{C0AC5CE4-098C-515E-A7E2-BAF6AB3F29FB}</a:tableStyleId>
               </a:tblPr>
               <a:tblGrid>
                 <a:gridCol w="387696"/>
@@ -7368,15 +7368,13 @@
                   <a:txBody>
                     <a:bodyPr/>
                     <a:p>
-                      <a:pPr marL="342900" lvl="0" indent="-342900">
+                      <a:pPr lvl="0">
                         <a:lnSpc>
                           <a:spcPct val="114999"/>
                         </a:lnSpc>
                         <a:spcAft>
                           <a:spcPts val="300"/>
                         </a:spcAft>
-                        <a:buFont typeface="+mj-lt"/>
-                        <a:buAutoNum type="alphaLcParenBoth"/>
                         <a:defRPr/>
                       </a:pPr>
                       <a:r>
@@ -7384,7 +7382,7 @@
                           <a:latin typeface="Roboto"/>
                           <a:ea typeface="Roboto"/>
                         </a:rPr>
-                        <a:t>Exactly one for all kinds of systems.</a:t>
+                        <a:t>(a) Exactly one for all kinds of systems.</a:t>
                       </a:r>
                       <a:endParaRPr lang="de-DE" sz="1800">
                         <a:latin typeface="Roboto"/>
@@ -7924,7 +7922,7 @@
         </p:nvSpPr>
         <p:spPr bwMode="auto">
           <a:xfrm>
-            <a:off x="491314" y="4547068"/>
+            <a:off x="396063" y="4606599"/>
             <a:ext cx="627796" cy="923330"/>
           </a:xfrm>
           <a:prstGeom prst="rect">
@@ -8025,8 +8023,8 @@
         </p:nvSpPr>
         <p:spPr bwMode="auto">
           <a:xfrm>
-            <a:off x="572772" y="2136746"/>
-            <a:ext cx="7834240" cy="1577355"/>
+            <a:off x="572770" y="2205477"/>
+            <a:ext cx="7834562" cy="1440216"/>
           </a:xfrm>
           <a:prstGeom prst="rect">
             <a:avLst/>
@@ -8253,7 +8251,7 @@
                 <a:latin typeface="Roboto"/>
                 <a:ea typeface="Roboto"/>
               </a:rPr>
-              <a:t>A-Question: Select one option. – 1 point</a:t>
+              <a:t>A-Question: Select one option.	1 point</a:t>
             </a:r>
             <a:endParaRPr lang="de-DE" b="0" i="0" u="none" strike="noStrike" cap="none">
               <a:ln>
@@ -8297,7 +8295,7 @@
                 <a:latin typeface="Roboto"/>
                 <a:ea typeface="Roboto"/>
               </a:rPr>
-              <a:t>­­­­­ID: Q-20-04-01</a:t>
+              <a:t>ID: Q-20-04-01</a:t>
             </a:r>
             <a:endParaRPr/>
           </a:p>
@@ -8424,7 +8422,7 @@
           <a:graphicData uri="http://schemas.openxmlformats.org/drawingml/2006/table">
             <a:tbl>
               <a:tblPr firstRow="0" firstCol="0" lastRow="0" lastCol="0" bandRow="0" bandCol="0">
-                <a:tableStyleId>{BF7E75CB-FBE1-BEB3-4AE6-39638113799B}</a:tableStyleId>
+                <a:tableStyleId>{C0AC5CE4-098C-515E-A7E2-BAF6AB3F29FB}</a:tableStyleId>
               </a:tblPr>
               <a:tblGrid>
                 <a:gridCol w="387696"/>
@@ -8463,15 +8461,13 @@
                   <a:txBody>
                     <a:bodyPr/>
                     <a:p>
-                      <a:pPr marL="342900" lvl="0" indent="-342900">
+                      <a:pPr lvl="0">
                         <a:lnSpc>
                           <a:spcPct val="114999"/>
                         </a:lnSpc>
                         <a:spcAft>
                           <a:spcPts val="300"/>
                         </a:spcAft>
-                        <a:buFont typeface="+mj-lt"/>
-                        <a:buAutoNum type="alphaLcParenBoth"/>
                         <a:defRPr/>
                       </a:pPr>
                       <a:r>
@@ -8479,7 +8475,7 @@
                           <a:latin typeface="Roboto"/>
                           <a:ea typeface="Roboto"/>
                         </a:rPr>
-                        <a:t>Exactly one for all kinds of systems.</a:t>
+                        <a:t>(a) Exactly one for all kinds of systems.</a:t>
                       </a:r>
                       <a:endParaRPr lang="de-DE" sz="1800">
                         <a:latin typeface="Roboto"/>
@@ -9019,7 +9015,7 @@
         </p:nvSpPr>
         <p:spPr bwMode="auto">
           <a:xfrm>
-            <a:off x="491314" y="3578067"/>
+            <a:off x="407970" y="3578067"/>
             <a:ext cx="627796" cy="923330"/>
           </a:xfrm>
           <a:prstGeom prst="rect">
@@ -9140,8 +9136,8 @@
         </p:nvSpPr>
         <p:spPr bwMode="auto">
           <a:xfrm>
-            <a:off x="572772" y="2136746"/>
-            <a:ext cx="7834240" cy="1577355"/>
+            <a:off x="572771" y="2205477"/>
+            <a:ext cx="7834563" cy="1440216"/>
           </a:xfrm>
           <a:prstGeom prst="rect">
             <a:avLst/>
@@ -9368,7 +9364,7 @@
                 <a:latin typeface="Roboto"/>
                 <a:ea typeface="Roboto"/>
               </a:rPr>
-              <a:t>A-Question: Select one option. – 1 point</a:t>
+              <a:t>A-Question: Select one option.	1 point</a:t>
             </a:r>
             <a:endParaRPr lang="de-DE" b="0" i="0" u="none" strike="noStrike" cap="none">
               <a:ln>
@@ -9412,7 +9408,7 @@
                 <a:latin typeface="Roboto"/>
                 <a:ea typeface="Roboto"/>
               </a:rPr>
-              <a:t>­­­­­ID: Q-20-04-01</a:t>
+              <a:t>ID: Q-20-04-01</a:t>
             </a:r>
             <a:endParaRPr/>
           </a:p>
@@ -9539,7 +9535,7 @@
           <a:graphicData uri="http://schemas.openxmlformats.org/drawingml/2006/table">
             <a:tbl>
               <a:tblPr firstRow="0" firstCol="0" lastRow="0" lastCol="0" bandRow="0" bandCol="0">
-                <a:tableStyleId>{BF7E75CB-FBE1-BEB3-4AE6-39638113799B}</a:tableStyleId>
+                <a:tableStyleId>{C0AC5CE4-098C-515E-A7E2-BAF6AB3F29FB}</a:tableStyleId>
               </a:tblPr>
               <a:tblGrid>
                 <a:gridCol w="387696"/>
@@ -9578,15 +9574,13 @@
                   <a:txBody>
                     <a:bodyPr/>
                     <a:p>
-                      <a:pPr marL="342900" lvl="0" indent="-342900">
+                      <a:pPr lvl="0">
                         <a:lnSpc>
                           <a:spcPct val="114999"/>
                         </a:lnSpc>
                         <a:spcAft>
                           <a:spcPts val="300"/>
                         </a:spcAft>
-                        <a:buFont typeface="+mj-lt"/>
-                        <a:buAutoNum type="alphaLcParenBoth"/>
                         <a:defRPr/>
                       </a:pPr>
                       <a:r>
@@ -9594,7 +9588,7 @@
                           <a:latin typeface="Roboto"/>
                           <a:ea typeface="Roboto"/>
                         </a:rPr>
-                        <a:t>Exactly one for all kinds of systems.</a:t>
+                        <a:t>(a) Exactly one for all kinds of systems.</a:t>
                       </a:r>
                       <a:endParaRPr lang="de-DE" sz="1800">
                         <a:latin typeface="Roboto"/>
@@ -10154,7 +10148,7 @@
         </p:nvSpPr>
         <p:spPr bwMode="auto">
           <a:xfrm>
-            <a:off x="491314" y="3578067"/>
+            <a:off x="396063" y="3566160"/>
             <a:ext cx="627796" cy="923330"/>
           </a:xfrm>
           <a:prstGeom prst="rect">
@@ -10242,7 +10236,7 @@
         </p:nvSpPr>
         <p:spPr bwMode="auto">
           <a:xfrm>
-            <a:off x="493586" y="4549334"/>
+            <a:off x="410241" y="4608865"/>
             <a:ext cx="627796" cy="923330"/>
           </a:xfrm>
           <a:prstGeom prst="rect">
@@ -10369,7 +10363,7 @@
           <a:graphicData uri="http://schemas.openxmlformats.org/drawingml/2006/table">
             <a:tbl>
               <a:tblPr firstRow="0" firstCol="0" lastRow="0" lastCol="0" bandRow="0" bandCol="0">
-                <a:tableStyleId>{BF7E75CB-FBE1-BEB3-4AE6-39638113799B}</a:tableStyleId>
+                <a:tableStyleId>{C0AC5CE4-098C-515E-A7E2-BAF6AB3F29FB}</a:tableStyleId>
               </a:tblPr>
               <a:tblGrid>
                 <a:gridCol w="549256"/>
@@ -10410,15 +10404,13 @@
                   <a:txBody>
                     <a:bodyPr/>
                     <a:p>
-                      <a:pPr marL="342900" lvl="0" indent="-342900">
+                      <a:pPr lvl="0">
                         <a:lnSpc>
                           <a:spcPct val="114999"/>
                         </a:lnSpc>
                         <a:spcAft>
                           <a:spcPts val="300"/>
                         </a:spcAft>
-                        <a:buFont typeface="+mj-lt"/>
-                        <a:buAutoNum type="alphaLcParenBoth"/>
                         <a:defRPr/>
                       </a:pPr>
                       <a:r>
@@ -10426,7 +10418,7 @@
                           <a:latin typeface="Roboto"/>
                           <a:ea typeface="Roboto"/>
                         </a:rPr>
-                        <a:t>High coupling of components.</a:t>
+                        <a:t>(a) High coupling of components.</a:t>
                       </a:r>
                       <a:endParaRPr lang="de-DE" sz="1800">
                         <a:latin typeface="Roboto"/>
@@ -10822,8 +10814,8 @@
         </p:nvSpPr>
         <p:spPr bwMode="auto">
           <a:xfrm>
-            <a:off x="547100" y="2179006"/>
-            <a:ext cx="9123640" cy="1677358"/>
+            <a:off x="547099" y="2187171"/>
+            <a:ext cx="9152682" cy="1661171"/>
           </a:xfrm>
           <a:prstGeom prst="rect">
             <a:avLst/>
@@ -11023,7 +11015,7 @@
                 <a:ea typeface="Roboto"/>
                 <a:cs typeface="Arial"/>
               </a:rPr>
-              <a:t>P-Question: Choose the two most appropriate indicators. – 2 points</a:t>
+              <a:t>P-Question: Choose the two most appropriate indicators.	2 points</a:t>
             </a:r>
             <a:endParaRPr lang="de-DE" b="1" i="0" u="none" strike="noStrike" cap="none">
               <a:ln>
@@ -11844,7 +11836,7 @@
           <a:graphicData uri="http://schemas.openxmlformats.org/drawingml/2006/table">
             <a:tbl>
               <a:tblPr firstRow="0" firstCol="0" lastRow="0" lastCol="0" bandRow="0" bandCol="0">
-                <a:tableStyleId>{BF7E75CB-FBE1-BEB3-4AE6-39638113799B}</a:tableStyleId>
+                <a:tableStyleId>{C0AC5CE4-098C-515E-A7E2-BAF6AB3F29FB}</a:tableStyleId>
               </a:tblPr>
               <a:tblGrid>
                 <a:gridCol w="549256"/>
@@ -11885,15 +11877,13 @@
                   <a:txBody>
                     <a:bodyPr/>
                     <a:p>
-                      <a:pPr marL="342900" lvl="0" indent="-342900">
+                      <a:pPr lvl="0">
                         <a:lnSpc>
                           <a:spcPct val="114999"/>
                         </a:lnSpc>
                         <a:spcAft>
                           <a:spcPts val="300"/>
                         </a:spcAft>
-                        <a:buFont typeface="+mj-lt"/>
-                        <a:buAutoNum type="alphaLcParenBoth"/>
                         <a:defRPr/>
                       </a:pPr>
                       <a:r>
@@ -11901,7 +11891,7 @@
                           <a:latin typeface="Roboto"/>
                           <a:ea typeface="Roboto"/>
                         </a:rPr>
-                        <a:t>High coupling of components.</a:t>
+                        <a:t>(a) High coupling of components.</a:t>
                       </a:r>
                       <a:endParaRPr lang="de-DE" sz="1800">
                         <a:latin typeface="Roboto"/>
@@ -12297,8 +12287,8 @@
         </p:nvSpPr>
         <p:spPr bwMode="auto">
           <a:xfrm>
-            <a:off x="547100" y="2179006"/>
-            <a:ext cx="9123640" cy="1677358"/>
+            <a:off x="547099" y="2187171"/>
+            <a:ext cx="9152682" cy="1661171"/>
           </a:xfrm>
           <a:prstGeom prst="rect">
             <a:avLst/>
@@ -12498,7 +12488,7 @@
                 <a:ea typeface="Roboto"/>
                 <a:cs typeface="Arial"/>
               </a:rPr>
-              <a:t>P-Question: Choose the two most appropriate indicators. – 2 points</a:t>
+              <a:t>P-Question: Choose the two most appropriate indicators.	2 points</a:t>
             </a:r>
             <a:endParaRPr lang="de-DE" b="1" i="0" u="none" strike="noStrike" cap="none">
               <a:ln>
@@ -12930,7 +12920,7 @@
         </p:nvSpPr>
         <p:spPr bwMode="auto">
           <a:xfrm>
-            <a:off x="528909" y="3603660"/>
+            <a:off x="445565" y="3591753"/>
             <a:ext cx="627796" cy="923330"/>
           </a:xfrm>
           <a:prstGeom prst="rect">
@@ -12997,9 +12987,9 @@
           <p:nvPr isPhoto="0" userDrawn="0"/>
         </p:nvSpPr>
         <p:spPr bwMode="auto">
-          <a:xfrm>
-            <a:off x="538088" y="4681476"/>
-            <a:ext cx="627796" cy="923330"/>
+          <a:xfrm flipH="0" flipV="0">
+            <a:off x="454744" y="4679156"/>
+            <a:ext cx="627795" cy="937555"/>
           </a:xfrm>
           <a:prstGeom prst="rect">
             <a:avLst/>
@@ -13008,7 +12998,7 @@
         </p:spPr>
         <p:txBody>
           <a:bodyPr wrap="square">
-            <a:spAutoFit/>
+            <a:noAutofit/>
           </a:bodyPr>
           <a:lstStyle/>
           <a:p>
@@ -13485,7 +13475,7 @@
           <a:graphicData uri="http://schemas.openxmlformats.org/drawingml/2006/table">
             <a:tbl>
               <a:tblPr firstRow="0" firstCol="0" lastRow="0" lastCol="0" bandRow="0" bandCol="0">
-                <a:tableStyleId>{BF7E75CB-FBE1-BEB3-4AE6-39638113799B}</a:tableStyleId>
+                <a:tableStyleId>{C0AC5CE4-098C-515E-A7E2-BAF6AB3F29FB}</a:tableStyleId>
               </a:tblPr>
               <a:tblGrid>
                 <a:gridCol w="549256"/>
@@ -13526,15 +13516,13 @@
                   <a:txBody>
                     <a:bodyPr/>
                     <a:p>
-                      <a:pPr marL="342900" lvl="0" indent="-342900">
+                      <a:pPr lvl="0">
                         <a:lnSpc>
                           <a:spcPct val="114999"/>
                         </a:lnSpc>
                         <a:spcAft>
                           <a:spcPts val="300"/>
                         </a:spcAft>
-                        <a:buFont typeface="+mj-lt"/>
-                        <a:buAutoNum type="alphaLcParenBoth"/>
                         <a:defRPr/>
                       </a:pPr>
                       <a:r>
@@ -13542,7 +13530,7 @@
                           <a:latin typeface="Roboto"/>
                           <a:ea typeface="Roboto"/>
                         </a:rPr>
-                        <a:t>High coupling of components.</a:t>
+                        <a:t>(a) High coupling of components.</a:t>
                       </a:r>
                       <a:endParaRPr lang="de-DE" sz="1800">
                         <a:latin typeface="Roboto"/>
@@ -13938,8 +13926,8 @@
         </p:nvSpPr>
         <p:spPr bwMode="auto">
           <a:xfrm>
-            <a:off x="547100" y="2179006"/>
-            <a:ext cx="9123640" cy="1677358"/>
+            <a:off x="547099" y="2187171"/>
+            <a:ext cx="9152682" cy="1661171"/>
           </a:xfrm>
           <a:prstGeom prst="rect">
             <a:avLst/>
@@ -14139,7 +14127,7 @@
                 <a:ea typeface="Roboto"/>
                 <a:cs typeface="Arial"/>
               </a:rPr>
-              <a:t>P-Question: Choose the two most appropriate indicators. – 2 points</a:t>
+              <a:t>P-Question: Choose the two most appropriate indicators.	2 points</a:t>
             </a:r>
             <a:endParaRPr lang="de-DE" b="1" i="0" u="none" strike="noStrike" cap="none">
               <a:ln>
@@ -14581,7 +14569,7 @@
         </p:nvSpPr>
         <p:spPr bwMode="auto">
           <a:xfrm>
-            <a:off x="528909" y="3603660"/>
+            <a:off x="457471" y="3591753"/>
             <a:ext cx="627796" cy="923330"/>
           </a:xfrm>
           <a:prstGeom prst="rect">
@@ -14649,7 +14637,7 @@
         </p:nvSpPr>
         <p:spPr bwMode="auto">
           <a:xfrm>
-            <a:off x="540897" y="4370747"/>
+            <a:off x="457553" y="4370746"/>
             <a:ext cx="677591" cy="923330"/>
           </a:xfrm>
           <a:prstGeom prst="rect">
@@ -15156,7 +15144,7 @@
           <a:graphicData uri="http://schemas.openxmlformats.org/drawingml/2006/table">
             <a:tbl>
               <a:tblPr firstRow="0" firstCol="0" lastRow="0" lastCol="0" bandRow="0" bandCol="0">
-                <a:tableStyleId>{BF7E75CB-FBE1-BEB3-4AE6-39638113799B}</a:tableStyleId>
+                <a:tableStyleId>{C0AC5CE4-098C-515E-A7E2-BAF6AB3F29FB}</a:tableStyleId>
               </a:tblPr>
               <a:tblGrid>
                 <a:gridCol w="549256"/>
@@ -15197,15 +15185,13 @@
                   <a:txBody>
                     <a:bodyPr/>
                     <a:p>
-                      <a:pPr marL="342900" lvl="0" indent="-342900">
+                      <a:pPr lvl="0">
                         <a:lnSpc>
                           <a:spcPct val="114999"/>
                         </a:lnSpc>
                         <a:spcAft>
                           <a:spcPts val="300"/>
                         </a:spcAft>
-                        <a:buFont typeface="+mj-lt"/>
-                        <a:buAutoNum type="alphaLcParenBoth"/>
                         <a:defRPr/>
                       </a:pPr>
                       <a:r>
@@ -15213,7 +15199,7 @@
                           <a:latin typeface="Roboto"/>
                           <a:ea typeface="Roboto"/>
                         </a:rPr>
-                        <a:t>High coupling of components.</a:t>
+                        <a:t>(a) High coupling of components.</a:t>
                       </a:r>
                       <a:endParaRPr lang="de-DE" sz="1800">
                         <a:latin typeface="Roboto"/>
@@ -15609,8 +15595,8 @@
         </p:nvSpPr>
         <p:spPr bwMode="auto">
           <a:xfrm>
-            <a:off x="547100" y="2179006"/>
-            <a:ext cx="9123640" cy="1677358"/>
+            <a:off x="547099" y="2187171"/>
+            <a:ext cx="9152682" cy="1661171"/>
           </a:xfrm>
           <a:prstGeom prst="rect">
             <a:avLst/>
@@ -15810,7 +15796,7 @@
                 <a:ea typeface="Roboto"/>
                 <a:cs typeface="Arial"/>
               </a:rPr>
-              <a:t>P-Question: Choose the two most appropriate indicators. – 2 points</a:t>
+              <a:t>P-Question: Choose the two most appropriate indicators.	2 points</a:t>
             </a:r>
             <a:endParaRPr lang="de-DE" b="1" i="0" u="none" strike="noStrike" cap="none">
               <a:ln>
@@ -16255,7 +16241,7 @@
         </p:nvSpPr>
         <p:spPr bwMode="auto">
           <a:xfrm>
-            <a:off x="528909" y="3603660"/>
+            <a:off x="457471" y="3591753"/>
             <a:ext cx="627796" cy="923330"/>
           </a:xfrm>
           <a:prstGeom prst="rect">
@@ -16742,7 +16728,7 @@
           <a:graphicData uri="http://schemas.openxmlformats.org/drawingml/2006/table">
             <a:tbl>
               <a:tblPr firstRow="0" firstCol="0" lastRow="0" lastCol="0" bandRow="0" bandCol="0">
-                <a:tableStyleId>{BF7E75CB-FBE1-BEB3-4AE6-39638113799B}</a:tableStyleId>
+                <a:tableStyleId>{C0AC5CE4-098C-515E-A7E2-BAF6AB3F29FB}</a:tableStyleId>
               </a:tblPr>
               <a:tblGrid>
                 <a:gridCol w="549256"/>
@@ -16783,15 +16769,13 @@
                   <a:txBody>
                     <a:bodyPr/>
                     <a:p>
-                      <a:pPr marL="342900" lvl="0" indent="-342900">
+                      <a:pPr lvl="0">
                         <a:lnSpc>
                           <a:spcPct val="114999"/>
                         </a:lnSpc>
                         <a:spcAft>
                           <a:spcPts val="300"/>
                         </a:spcAft>
-                        <a:buFont typeface="+mj-lt"/>
-                        <a:buAutoNum type="alphaLcParenBoth"/>
                         <a:defRPr/>
                       </a:pPr>
                       <a:r>
@@ -16799,7 +16783,7 @@
                           <a:latin typeface="Roboto"/>
                           <a:ea typeface="Roboto"/>
                         </a:rPr>
-                        <a:t>High coupling of components.</a:t>
+                        <a:t>(a) High coupling of components.</a:t>
                       </a:r>
                       <a:endParaRPr lang="de-DE" sz="1800">
                         <a:latin typeface="Roboto"/>
@@ -17195,8 +17179,8 @@
         </p:nvSpPr>
         <p:spPr bwMode="auto">
           <a:xfrm>
-            <a:off x="547100" y="2179006"/>
-            <a:ext cx="9123640" cy="1677358"/>
+            <a:off x="547099" y="2187171"/>
+            <a:ext cx="9152682" cy="1661171"/>
           </a:xfrm>
           <a:prstGeom prst="rect">
             <a:avLst/>
@@ -17396,7 +17380,7 @@
                 <a:ea typeface="Roboto"/>
                 <a:cs typeface="Arial"/>
               </a:rPr>
-              <a:t>P-Question: Choose the two most appropriate indicators. – 2 points</a:t>
+              <a:t>P-Question: Choose the two most appropriate indicators.	2 points</a:t>
             </a:r>
             <a:endParaRPr lang="de-DE" b="1" i="0" u="none" strike="noStrike" cap="none">
               <a:ln>
@@ -17818,7 +17802,7 @@
         </p:nvSpPr>
         <p:spPr bwMode="auto">
           <a:xfrm>
-            <a:off x="528909" y="3971960"/>
+            <a:off x="457471" y="3960053"/>
             <a:ext cx="627796" cy="923330"/>
           </a:xfrm>
           <a:prstGeom prst="rect">
@@ -17889,7 +17873,7 @@
         </p:nvSpPr>
         <p:spPr bwMode="auto">
           <a:xfrm>
-            <a:off x="540897" y="4370747"/>
+            <a:off x="445646" y="4370746"/>
             <a:ext cx="677591" cy="923330"/>
           </a:xfrm>
           <a:prstGeom prst="rect">
@@ -18396,7 +18380,7 @@
           <a:graphicData uri="http://schemas.openxmlformats.org/drawingml/2006/table">
             <a:tbl>
               <a:tblPr firstRow="0" firstCol="0" lastRow="0" lastCol="0" bandRow="0" bandCol="0">
-                <a:tableStyleId>{BF7E75CB-FBE1-BEB3-4AE6-39638113799B}</a:tableStyleId>
+                <a:tableStyleId>{C0AC5CE4-098C-515E-A7E2-BAF6AB3F29FB}</a:tableStyleId>
               </a:tblPr>
               <a:tblGrid>
                 <a:gridCol w="549256"/>
@@ -18437,15 +18421,13 @@
                   <a:txBody>
                     <a:bodyPr/>
                     <a:p>
-                      <a:pPr marL="342900" lvl="0" indent="-342900">
+                      <a:pPr lvl="0">
                         <a:lnSpc>
                           <a:spcPct val="114999"/>
                         </a:lnSpc>
                         <a:spcAft>
                           <a:spcPts val="300"/>
                         </a:spcAft>
-                        <a:buFont typeface="+mj-lt"/>
-                        <a:buAutoNum type="alphaLcParenBoth"/>
                         <a:defRPr/>
                       </a:pPr>
                       <a:r>
@@ -18453,7 +18435,7 @@
                           <a:latin typeface="Roboto"/>
                           <a:ea typeface="Roboto"/>
                         </a:rPr>
-                        <a:t>High coupling of components.</a:t>
+                        <a:t>(a) High coupling of components.</a:t>
                       </a:r>
                       <a:endParaRPr lang="de-DE" sz="1800">
                         <a:latin typeface="Roboto"/>
@@ -18849,8 +18831,8 @@
         </p:nvSpPr>
         <p:spPr bwMode="auto">
           <a:xfrm>
-            <a:off x="547100" y="2179006"/>
-            <a:ext cx="9123640" cy="1677358"/>
+            <a:off x="547099" y="2187171"/>
+            <a:ext cx="9152682" cy="1661171"/>
           </a:xfrm>
           <a:prstGeom prst="rect">
             <a:avLst/>
@@ -19050,7 +19032,7 @@
                 <a:ea typeface="Roboto"/>
                 <a:cs typeface="Arial"/>
               </a:rPr>
-              <a:t>P-Question: Choose the two most appropriate indicators. – 2 points</a:t>
+              <a:t>P-Question: Choose the two most appropriate indicators.	2 points</a:t>
             </a:r>
             <a:endParaRPr lang="de-DE" b="1" i="0" u="none" strike="noStrike" cap="none">
               <a:ln>
@@ -19472,7 +19454,7 @@
         </p:nvSpPr>
         <p:spPr bwMode="auto">
           <a:xfrm>
-            <a:off x="528909" y="3971960"/>
+            <a:off x="457471" y="3971959"/>
             <a:ext cx="627796" cy="923330"/>
           </a:xfrm>
           <a:prstGeom prst="rect">
@@ -19543,7 +19525,7 @@
         </p:nvSpPr>
         <p:spPr bwMode="auto">
           <a:xfrm>
-            <a:off x="540897" y="4688247"/>
+            <a:off x="457553" y="4688246"/>
             <a:ext cx="677591" cy="923330"/>
           </a:xfrm>
           <a:prstGeom prst="rect">
@@ -19614,7 +19596,7 @@
         </p:nvSpPr>
         <p:spPr bwMode="auto">
           <a:xfrm>
-            <a:off x="528197" y="3596047"/>
+            <a:off x="456759" y="3584140"/>
             <a:ext cx="677591" cy="923330"/>
           </a:xfrm>
           <a:prstGeom prst="rect">
@@ -20104,7 +20086,7 @@
           <a:graphicData uri="http://schemas.openxmlformats.org/drawingml/2006/table">
             <a:tbl>
               <a:tblPr firstRow="0" firstCol="0" lastRow="0" lastCol="0" bandRow="0" bandCol="0">
-                <a:tableStyleId>{BF7E75CB-FBE1-BEB3-4AE6-39638113799B}</a:tableStyleId>
+                <a:tableStyleId>{C0AC5CE4-098C-515E-A7E2-BAF6AB3F29FB}</a:tableStyleId>
               </a:tblPr>
               <a:tblGrid>
                 <a:gridCol w="939768"/>
@@ -20562,8 +20544,8 @@
         </p:nvSpPr>
         <p:spPr bwMode="auto">
           <a:xfrm>
-            <a:off x="527729" y="2156655"/>
-            <a:ext cx="9211176" cy="1969770"/>
+            <a:off x="527728" y="2166359"/>
+            <a:ext cx="9093209" cy="1950755"/>
           </a:xfrm>
           <a:prstGeom prst="rect">
             <a:avLst/>
@@ -20790,7 +20772,7 @@
                 <a:latin typeface="Roboto"/>
                 <a:ea typeface="Roboto"/>
               </a:rPr>
-              <a:t>K-Question: Select “Contained” or “Avoided” for each line. – 1 point</a:t>
+              <a:t>K-Question: Select “Contained” or “Avoided” for each line.	1 point</a:t>
             </a:r>
             <a:endParaRPr lang="de-DE" b="0" i="0" u="none" strike="noStrike" cap="none">
               <a:ln>
@@ -20823,19 +20805,6 @@
                 <a:tab pos="1350963" algn="l"/>
               </a:tabLst>
             </a:pPr>
-            <a:r>
-              <a:rPr lang="en-GB" b="0" i="1" u="none" strike="noStrike" cap="none">
-                <a:ln>
-                  <a:noFill/>
-                </a:ln>
-                <a:solidFill>
-                  <a:schemeClr val="tx1"/>
-                </a:solidFill>
-                <a:latin typeface="Roboto"/>
-                <a:ea typeface="Roboto"/>
-              </a:rPr>
-              <a:t>­­­­­</a:t>
-            </a:r>
             <a:r>
               <a:rPr lang="en-GB" sz="2100" b="1" i="0" u="none" strike="noStrike" cap="none">
                 <a:ln>
@@ -21959,7 +21928,7 @@
           <a:graphicData uri="http://schemas.openxmlformats.org/drawingml/2006/table">
             <a:tbl>
               <a:tblPr firstRow="0" firstCol="0" lastRow="0" lastCol="0" bandRow="0" bandCol="0">
-                <a:tableStyleId>{BF7E75CB-FBE1-BEB3-4AE6-39638113799B}</a:tableStyleId>
+                <a:tableStyleId>{C0AC5CE4-098C-515E-A7E2-BAF6AB3F29FB}</a:tableStyleId>
               </a:tblPr>
               <a:tblGrid>
                 <a:gridCol w="939768"/>
@@ -22417,8 +22386,8 @@
         </p:nvSpPr>
         <p:spPr bwMode="auto">
           <a:xfrm>
-            <a:off x="538124" y="2181862"/>
-            <a:ext cx="9211176" cy="1969770"/>
+            <a:off x="538123" y="2191530"/>
+            <a:ext cx="9093209" cy="1950755"/>
           </a:xfrm>
           <a:prstGeom prst="rect">
             <a:avLst/>
@@ -22645,7 +22614,7 @@
                 <a:latin typeface="Roboto"/>
                 <a:ea typeface="Roboto"/>
               </a:rPr>
-              <a:t>K-Question: Select “Contained” or “Avoided” for each line. – 1 point</a:t>
+              <a:t>K-Question: Select “Contained” or “Avoided” for each line.	1 point</a:t>
             </a:r>
             <a:endParaRPr lang="de-DE" b="0" i="0" u="none" strike="noStrike" cap="none">
               <a:ln>
@@ -22678,19 +22647,6 @@
                 <a:tab pos="1350963" algn="l"/>
               </a:tabLst>
             </a:pPr>
-            <a:r>
-              <a:rPr lang="en-GB" b="0" i="1" u="none" strike="noStrike" cap="none">
-                <a:ln>
-                  <a:noFill/>
-                </a:ln>
-                <a:solidFill>
-                  <a:schemeClr val="tx1"/>
-                </a:solidFill>
-                <a:latin typeface="Roboto"/>
-                <a:ea typeface="Roboto"/>
-              </a:rPr>
-              <a:t>­­­­­</a:t>
-            </a:r>
             <a:r>
               <a:rPr lang="en-GB" sz="2100" b="1" i="0" u="none" strike="noStrike" cap="none">
                 <a:ln>
@@ -23383,7 +23339,7 @@
         </p:nvSpPr>
         <p:spPr bwMode="auto">
           <a:xfrm>
-            <a:off x="921897" y="4116747"/>
+            <a:off x="898084" y="4092934"/>
             <a:ext cx="677591" cy="923330"/>
           </a:xfrm>
           <a:prstGeom prst="rect">
@@ -23454,7 +23410,7 @@
         </p:nvSpPr>
         <p:spPr bwMode="auto">
           <a:xfrm>
-            <a:off x="921897" y="4434247"/>
+            <a:off x="909990" y="4458059"/>
             <a:ext cx="677591" cy="923330"/>
           </a:xfrm>
           <a:prstGeom prst="rect">
@@ -23525,7 +23481,7 @@
         </p:nvSpPr>
         <p:spPr bwMode="auto">
           <a:xfrm>
-            <a:off x="1887097" y="4739047"/>
+            <a:off x="1875190" y="4774765"/>
             <a:ext cx="677591" cy="923330"/>
           </a:xfrm>
           <a:prstGeom prst="rect">
@@ -23596,7 +23552,7 @@
         </p:nvSpPr>
         <p:spPr bwMode="auto">
           <a:xfrm>
-            <a:off x="1887097" y="5120047"/>
+            <a:off x="1875190" y="5167671"/>
             <a:ext cx="677591" cy="923330"/>
           </a:xfrm>
           <a:prstGeom prst="rect">
@@ -23762,7 +23718,7 @@
           <a:graphicData uri="http://schemas.openxmlformats.org/drawingml/2006/table">
             <a:tbl>
               <a:tblPr firstRow="0" firstCol="0" lastRow="0" lastCol="0" bandRow="0" bandCol="0">
-                <a:tableStyleId>{BF7E75CB-FBE1-BEB3-4AE6-39638113799B}</a:tableStyleId>
+                <a:tableStyleId>{C0AC5CE4-098C-515E-A7E2-BAF6AB3F29FB}</a:tableStyleId>
               </a:tblPr>
               <a:tblGrid>
                 <a:gridCol w="939768"/>
@@ -24220,8 +24176,8 @@
         </p:nvSpPr>
         <p:spPr bwMode="auto">
           <a:xfrm>
-            <a:off x="538124" y="2182099"/>
-            <a:ext cx="9211176" cy="1969770"/>
+            <a:off x="538123" y="2191767"/>
+            <a:ext cx="9093209" cy="1950755"/>
           </a:xfrm>
           <a:prstGeom prst="rect">
             <a:avLst/>
@@ -24448,7 +24404,7 @@
                 <a:latin typeface="Roboto"/>
                 <a:ea typeface="Roboto"/>
               </a:rPr>
-              <a:t>K-Question: Select “Contained” or “Avoided” for each line. – 1 point</a:t>
+              <a:t>K-Question: Select “Contained” or “Avoided” for each line.	1 point</a:t>
             </a:r>
             <a:endParaRPr lang="de-DE" b="0" i="0" u="none" strike="noStrike" cap="none">
               <a:ln>
@@ -24481,19 +24437,6 @@
                 <a:tab pos="1350963" algn="l"/>
               </a:tabLst>
             </a:pPr>
-            <a:r>
-              <a:rPr lang="en-GB" b="0" i="1" u="none" strike="noStrike" cap="none">
-                <a:ln>
-                  <a:noFill/>
-                </a:ln>
-                <a:solidFill>
-                  <a:schemeClr val="tx1"/>
-                </a:solidFill>
-                <a:latin typeface="Roboto"/>
-                <a:ea typeface="Roboto"/>
-              </a:rPr>
-              <a:t>­­­­­</a:t>
-            </a:r>
             <a:r>
               <a:rPr lang="en-GB" sz="2100" b="1" i="0" u="none" strike="noStrike" cap="none">
                 <a:ln>
@@ -25214,7 +25157,7 @@
         </p:nvSpPr>
         <p:spPr bwMode="auto">
           <a:xfrm>
-            <a:off x="921897" y="4116747"/>
+            <a:off x="909990" y="4104840"/>
             <a:ext cx="677591" cy="923330"/>
           </a:xfrm>
           <a:prstGeom prst="rect">
@@ -25285,7 +25228,7 @@
         </p:nvSpPr>
         <p:spPr bwMode="auto">
           <a:xfrm>
-            <a:off x="921897" y="4434247"/>
+            <a:off x="909990" y="4458059"/>
             <a:ext cx="677591" cy="923330"/>
           </a:xfrm>
           <a:prstGeom prst="rect">
@@ -25356,7 +25299,7 @@
         </p:nvSpPr>
         <p:spPr bwMode="auto">
           <a:xfrm>
-            <a:off x="1887097" y="4739047"/>
+            <a:off x="1875190" y="4774765"/>
             <a:ext cx="677591" cy="923330"/>
           </a:xfrm>
           <a:prstGeom prst="rect">
@@ -25427,7 +25370,7 @@
         </p:nvSpPr>
         <p:spPr bwMode="auto">
           <a:xfrm>
-            <a:off x="923260" y="5120047"/>
+            <a:off x="911353" y="5167671"/>
             <a:ext cx="677591" cy="923330"/>
           </a:xfrm>
           <a:prstGeom prst="rect">
@@ -25603,7 +25546,7 @@
           <a:graphicData uri="http://schemas.openxmlformats.org/drawingml/2006/table">
             <a:tbl>
               <a:tblPr firstRow="0" firstCol="0" lastRow="0" lastCol="0" bandRow="0" bandCol="0">
-                <a:tableStyleId>{BF7E75CB-FBE1-BEB3-4AE6-39638113799B}</a:tableStyleId>
+                <a:tableStyleId>{C0AC5CE4-098C-515E-A7E2-BAF6AB3F29FB}</a:tableStyleId>
               </a:tblPr>
               <a:tblGrid>
                 <a:gridCol w="939768"/>
@@ -26061,8 +26004,8 @@
         </p:nvSpPr>
         <p:spPr bwMode="auto">
           <a:xfrm>
-            <a:off x="538124" y="2179527"/>
-            <a:ext cx="9211176" cy="1969770"/>
+            <a:off x="538123" y="2189196"/>
+            <a:ext cx="9093209" cy="1950755"/>
           </a:xfrm>
           <a:prstGeom prst="rect">
             <a:avLst/>
@@ -26289,7 +26232,7 @@
                 <a:latin typeface="Roboto"/>
                 <a:ea typeface="Roboto"/>
               </a:rPr>
-              <a:t>K-Question: Select “Contained” or “Avoided” for each line. – 1 point</a:t>
+              <a:t>K-Question: Select “Contained” or “Avoided” for each line.	1 point</a:t>
             </a:r>
             <a:endParaRPr lang="de-DE" b="0" i="0" u="none" strike="noStrike" cap="none">
               <a:ln>
@@ -26322,19 +26265,6 @@
                 <a:tab pos="1350963" algn="l"/>
               </a:tabLst>
             </a:pPr>
-            <a:r>
-              <a:rPr lang="en-GB" b="0" i="1" u="none" strike="noStrike" cap="none">
-                <a:ln>
-                  <a:noFill/>
-                </a:ln>
-                <a:solidFill>
-                  <a:schemeClr val="tx1"/>
-                </a:solidFill>
-                <a:latin typeface="Roboto"/>
-                <a:ea typeface="Roboto"/>
-              </a:rPr>
-              <a:t>­­­­­</a:t>
-            </a:r>
             <a:r>
               <a:rPr lang="en-GB" sz="2100" b="1" i="0" u="none" strike="noStrike" cap="none">
                 <a:ln>
@@ -27074,7 +27004,7 @@
         </p:nvSpPr>
         <p:spPr bwMode="auto">
           <a:xfrm>
-            <a:off x="921897" y="4116747"/>
+            <a:off x="909990" y="4092934"/>
             <a:ext cx="677591" cy="923330"/>
           </a:xfrm>
           <a:prstGeom prst="rect">
@@ -27145,7 +27075,7 @@
         </p:nvSpPr>
         <p:spPr bwMode="auto">
           <a:xfrm>
-            <a:off x="921897" y="4434247"/>
+            <a:off x="909990" y="4446153"/>
             <a:ext cx="677591" cy="923330"/>
           </a:xfrm>
           <a:prstGeom prst="rect">
@@ -27216,7 +27146,7 @@
         </p:nvSpPr>
         <p:spPr bwMode="auto">
           <a:xfrm>
-            <a:off x="923264" y="4763761"/>
+            <a:off x="911357" y="4763760"/>
             <a:ext cx="677591" cy="923330"/>
           </a:xfrm>
           <a:prstGeom prst="rect">
@@ -27307,7 +27237,7 @@
         </p:nvSpPr>
         <p:spPr bwMode="auto">
           <a:xfrm>
-            <a:off x="923260" y="5120047"/>
+            <a:off x="911353" y="5167671"/>
             <a:ext cx="677591" cy="923330"/>
           </a:xfrm>
           <a:prstGeom prst="rect">
@@ -27483,7 +27413,7 @@
           <a:graphicData uri="http://schemas.openxmlformats.org/drawingml/2006/table">
             <a:tbl>
               <a:tblPr firstRow="0" firstCol="0" lastRow="0" lastCol="0" bandRow="0" bandCol="0">
-                <a:tableStyleId>{BF7E75CB-FBE1-BEB3-4AE6-39638113799B}</a:tableStyleId>
+                <a:tableStyleId>{C0AC5CE4-098C-515E-A7E2-BAF6AB3F29FB}</a:tableStyleId>
               </a:tblPr>
               <a:tblGrid>
                 <a:gridCol w="939768"/>
@@ -27941,8 +27871,8 @@
         </p:nvSpPr>
         <p:spPr bwMode="auto">
           <a:xfrm>
-            <a:off x="538124" y="2179527"/>
-            <a:ext cx="9211176" cy="1969770"/>
+            <a:off x="538123" y="2189196"/>
+            <a:ext cx="9093209" cy="1950755"/>
           </a:xfrm>
           <a:prstGeom prst="rect">
             <a:avLst/>
@@ -28169,7 +28099,7 @@
                 <a:latin typeface="Roboto"/>
                 <a:ea typeface="Roboto"/>
               </a:rPr>
-              <a:t>K-Question: Select “Contained” or “Avoided” for each line. – 1 point</a:t>
+              <a:t>K-Question: Select “Contained” or “Avoided” for each line.	1 point</a:t>
             </a:r>
             <a:endParaRPr lang="de-DE" b="0" i="0" u="none" strike="noStrike" cap="none">
               <a:ln>
@@ -28202,19 +28132,6 @@
                 <a:tab pos="1350963" algn="l"/>
               </a:tabLst>
             </a:pPr>
-            <a:r>
-              <a:rPr lang="en-GB" b="0" i="1" u="none" strike="noStrike" cap="none">
-                <a:ln>
-                  <a:noFill/>
-                </a:ln>
-                <a:solidFill>
-                  <a:schemeClr val="tx1"/>
-                </a:solidFill>
-                <a:latin typeface="Roboto"/>
-                <a:ea typeface="Roboto"/>
-              </a:rPr>
-              <a:t>­­­­­</a:t>
-            </a:r>
             <a:r>
               <a:rPr lang="en-GB" sz="2100" b="1" i="0" u="none" strike="noStrike" cap="none">
                 <a:ln>
@@ -28954,7 +28871,7 @@
         </p:nvSpPr>
         <p:spPr bwMode="auto">
           <a:xfrm>
-            <a:off x="921897" y="4116747"/>
+            <a:off x="898084" y="4092934"/>
             <a:ext cx="677591" cy="923330"/>
           </a:xfrm>
           <a:prstGeom prst="rect">
@@ -29025,7 +28942,7 @@
         </p:nvSpPr>
         <p:spPr bwMode="auto">
           <a:xfrm>
-            <a:off x="1885732" y="4434247"/>
+            <a:off x="1873825" y="4446153"/>
             <a:ext cx="677591" cy="923330"/>
           </a:xfrm>
           <a:prstGeom prst="rect">
@@ -29152,7 +29069,7 @@
         </p:nvSpPr>
         <p:spPr bwMode="auto">
           <a:xfrm>
-            <a:off x="926016" y="4759645"/>
+            <a:off x="914109" y="4771551"/>
             <a:ext cx="677591" cy="923330"/>
           </a:xfrm>
           <a:prstGeom prst="rect">
@@ -29223,7 +29140,7 @@
         </p:nvSpPr>
         <p:spPr bwMode="auto">
           <a:xfrm>
-            <a:off x="930132" y="5134470"/>
+            <a:off x="918225" y="5182094"/>
             <a:ext cx="677591" cy="923330"/>
           </a:xfrm>
           <a:prstGeom prst="rect">
@@ -29333,7 +29250,7 @@
           <a:graphicData uri="http://schemas.openxmlformats.org/drawingml/2006/table">
             <a:tbl>
               <a:tblPr firstRow="0" firstCol="0" lastRow="0" lastCol="0" bandRow="0" bandCol="0">
-                <a:tableStyleId>{BF7E75CB-FBE1-BEB3-4AE6-39638113799B}</a:tableStyleId>
+                <a:tableStyleId>{C0AC5CE4-098C-515E-A7E2-BAF6AB3F29FB}</a:tableStyleId>
               </a:tblPr>
               <a:tblGrid>
                 <a:gridCol w="939768"/>
@@ -29791,8 +29708,8 @@
         </p:nvSpPr>
         <p:spPr bwMode="auto">
           <a:xfrm>
-            <a:off x="538124" y="2179527"/>
-            <a:ext cx="9211176" cy="1969770"/>
+            <a:off x="538123" y="2189196"/>
+            <a:ext cx="9093209" cy="1950755"/>
           </a:xfrm>
           <a:prstGeom prst="rect">
             <a:avLst/>
@@ -30019,7 +29936,7 @@
                 <a:latin typeface="Roboto"/>
                 <a:ea typeface="Roboto"/>
               </a:rPr>
-              <a:t>K-Question: Select “Contained” or “Avoided” for each line. – 1 point</a:t>
+              <a:t>K-Question: Select “Contained” or “Avoided” for each line.	1 point</a:t>
             </a:r>
             <a:endParaRPr lang="de-DE" b="0" i="0" u="none" strike="noStrike" cap="none">
               <a:ln>
@@ -30052,19 +29969,6 @@
                 <a:tab pos="1350963" algn="l"/>
               </a:tabLst>
             </a:pPr>
-            <a:r>
-              <a:rPr lang="en-GB" b="0" i="1" u="none" strike="noStrike" cap="none">
-                <a:ln>
-                  <a:noFill/>
-                </a:ln>
-                <a:solidFill>
-                  <a:schemeClr val="tx1"/>
-                </a:solidFill>
-                <a:latin typeface="Roboto"/>
-                <a:ea typeface="Roboto"/>
-              </a:rPr>
-              <a:t>­­­­­</a:t>
-            </a:r>
             <a:r>
               <a:rPr lang="en-GB" sz="2100" b="1" i="0" u="none" strike="noStrike" cap="none">
                 <a:ln>
@@ -30780,7 +30684,7 @@
         </p:nvSpPr>
         <p:spPr bwMode="auto">
           <a:xfrm>
-            <a:off x="921897" y="4116747"/>
+            <a:off x="909990" y="4104840"/>
             <a:ext cx="677591" cy="923330"/>
           </a:xfrm>
           <a:prstGeom prst="rect">
@@ -30851,7 +30755,7 @@
         </p:nvSpPr>
         <p:spPr bwMode="auto">
           <a:xfrm>
-            <a:off x="921897" y="4434247"/>
+            <a:off x="909990" y="4446153"/>
             <a:ext cx="677591" cy="923330"/>
           </a:xfrm>
           <a:prstGeom prst="rect">
@@ -32624,7 +32528,7 @@
           <a:p>
             <a:pPr marL="228600" marR="0" lvl="0" indent="-228600" algn="l" defTabSz="914400">
               <a:lnSpc>
-                <a:spcPct val="70000"/>
+                <a:spcPct val="95000"/>
               </a:lnSpc>
               <a:spcBef>
                 <a:spcPts val="1000"/>
@@ -32923,7 +32827,7 @@
                 </a:solidFill>
                 <a:latin typeface="Roboto"/>
               </a:rPr>
-              <a:t>   through it.</a:t>
+              <a:t>    through it.</a:t>
             </a:r>
             <a:endParaRPr sz="1500"/>
           </a:p>
@@ -33010,7 +32914,7 @@
                 </a:solidFill>
                 <a:latin typeface="Roboto"/>
               </a:rPr>
-              <a:t>   </a:t>
+              <a:t>    </a:t>
             </a:r>
             <a:r>
               <a:rPr lang="en-US" sz="2000" b="0" i="0" u="none" strike="noStrike" cap="none" spc="0">
@@ -33106,7 +33010,7 @@
                 </a:solidFill>
                 <a:latin typeface="Roboto"/>
               </a:rPr>
-              <a:t>   </a:t>
+              <a:t>    </a:t>
             </a:r>
             <a:r>
               <a:rPr lang="en-US" sz="2000" b="0" i="0" u="none" strike="noStrike" cap="none" spc="0">
@@ -34225,7 +34129,7 @@
           <a:graphicData uri="http://schemas.openxmlformats.org/drawingml/2006/table">
             <a:tbl>
               <a:tblPr firstRow="0" firstCol="0" lastRow="0" lastCol="0" bandRow="0" bandCol="0">
-                <a:tableStyleId>{BF7E75CB-FBE1-BEB3-4AE6-39638113799B}</a:tableStyleId>
+                <a:tableStyleId>{C0AC5CE4-098C-515E-A7E2-BAF6AB3F29FB}</a:tableStyleId>
               </a:tblPr>
               <a:tblGrid>
                 <a:gridCol w="387696"/>
@@ -34264,15 +34168,13 @@
                   <a:txBody>
                     <a:bodyPr/>
                     <a:p>
-                      <a:pPr marL="342900" lvl="0" indent="-342900">
+                      <a:pPr lvl="0">
                         <a:lnSpc>
                           <a:spcPct val="114999"/>
                         </a:lnSpc>
                         <a:spcAft>
                           <a:spcPts val="300"/>
                         </a:spcAft>
-                        <a:buFont typeface="+mj-lt"/>
-                        <a:buAutoNum type="alphaLcParenBoth"/>
                         <a:defRPr/>
                       </a:pPr>
                       <a:r>
@@ -34280,7 +34182,7 @@
                           <a:latin typeface="Roboto"/>
                           <a:ea typeface="Roboto"/>
                         </a:rPr>
-                        <a:t>Exactly one for all kinds of systems.</a:t>
+                        <a:t>(a) Exactly one for all kinds of systems.</a:t>
                       </a:r>
                       <a:endParaRPr lang="de-DE" sz="1800">
                         <a:latin typeface="Roboto"/>
@@ -34482,8 +34384,8 @@
         </p:nvSpPr>
         <p:spPr bwMode="auto">
           <a:xfrm>
-            <a:off x="2428876" y="3337762"/>
-            <a:ext cx="7834240" cy="1577355"/>
+            <a:off x="2428875" y="3406492"/>
+            <a:ext cx="7834562" cy="1440216"/>
           </a:xfrm>
           <a:prstGeom prst="rect">
             <a:avLst/>
@@ -34710,7 +34612,7 @@
                 <a:latin typeface="Roboto"/>
                 <a:ea typeface="Roboto"/>
               </a:rPr>
-              <a:t>A-Question: Select one option. – 1 point</a:t>
+              <a:t>A-Question: Select one option.	1 point</a:t>
             </a:r>
             <a:endParaRPr lang="de-DE" b="0" i="0" u="none" strike="noStrike" cap="none">
               <a:ln>
@@ -34754,7 +34656,7 @@
                 <a:latin typeface="Roboto"/>
                 <a:ea typeface="Roboto"/>
               </a:rPr>
-              <a:t>­­­­­ID: Q-20-04-01</a:t>
+              <a:t>ID: Q-20-04-01</a:t>
             </a:r>
             <a:endParaRPr/>
           </a:p>
@@ -34936,7 +34838,7 @@
         </p:nvSpPr>
         <p:spPr bwMode="auto">
           <a:xfrm>
-            <a:off x="3845025" y="2159524"/>
+            <a:off x="3845025" y="2175800"/>
             <a:ext cx="2351925" cy="1323439"/>
           </a:xfrm>
           <a:prstGeom prst="rect">
@@ -35366,9 +35268,9 @@
           <p:nvPr isPhoto="0" userDrawn="0"/>
         </p:nvSpPr>
         <p:spPr bwMode="auto">
-          <a:xfrm>
-            <a:off x="7682662" y="3499240"/>
-            <a:ext cx="851738" cy="298403"/>
+          <a:xfrm flipH="0" flipV="0">
+            <a:off x="7025906" y="3488069"/>
+            <a:ext cx="751418" cy="255476"/>
           </a:xfrm>
           <a:prstGeom prst="rect">
             <a:avLst/>
@@ -35422,9 +35324,9 @@
           <p:nvPr isPhoto="0" userDrawn="0"/>
         </p:nvSpPr>
         <p:spPr bwMode="auto">
-          <a:xfrm>
-            <a:off x="2442524" y="3844975"/>
-            <a:ext cx="1924760" cy="331111"/>
+          <a:xfrm flipH="0" flipV="0">
+            <a:off x="2442523" y="3785442"/>
+            <a:ext cx="1892570" cy="331110"/>
           </a:xfrm>
           <a:prstGeom prst="rect">
             <a:avLst/>
@@ -35595,7 +35497,7 @@
         </p:nvSpPr>
         <p:spPr bwMode="auto">
           <a:xfrm>
-            <a:off x="2447569" y="4776418"/>
+            <a:off x="2455940" y="4772850"/>
             <a:ext cx="6491714" cy="1323439"/>
           </a:xfrm>
           <a:prstGeom prst="rect">
@@ -35650,9 +35552,9 @@
           <p:nvPr isPhoto="0" userDrawn="0"/>
         </p:nvSpPr>
         <p:spPr bwMode="auto">
-          <a:xfrm>
-            <a:off x="4337194" y="3499240"/>
-            <a:ext cx="3101214" cy="323829"/>
+          <a:xfrm flipH="0" flipV="0">
+            <a:off x="3862994" y="3488531"/>
+            <a:ext cx="3028284" cy="256676"/>
           </a:xfrm>
           <a:prstGeom prst="rect">
             <a:avLst/>
@@ -35762,9 +35664,9 @@
           <p:nvPr isPhoto="0" userDrawn="0"/>
         </p:nvSpPr>
         <p:spPr bwMode="auto">
-          <a:xfrm>
-            <a:off x="2442051" y="3488070"/>
-            <a:ext cx="1487397" cy="319965"/>
+          <a:xfrm flipH="0" flipV="0">
+            <a:off x="2435128" y="3488069"/>
+            <a:ext cx="1392367" cy="255476"/>
           </a:xfrm>
           <a:prstGeom prst="rect">
             <a:avLst/>
@@ -35854,8 +35756,8 @@
         </p:nvSpPr>
         <p:spPr bwMode="auto">
           <a:xfrm>
-            <a:off x="572772" y="2136746"/>
-            <a:ext cx="7834240" cy="1577355"/>
+            <a:off x="572770" y="2205477"/>
+            <a:ext cx="7834562" cy="1440216"/>
           </a:xfrm>
           <a:prstGeom prst="rect">
             <a:avLst/>
@@ -36082,7 +35984,7 @@
                 <a:latin typeface="Roboto"/>
                 <a:ea typeface="Roboto"/>
               </a:rPr>
-              <a:t>A-Question: Select one option. – 1 point</a:t>
+              <a:t>A-Question: Select one option.	1 point</a:t>
             </a:r>
             <a:endParaRPr lang="de-DE" b="0" i="0" u="none" strike="noStrike" cap="none">
               <a:ln>
@@ -36126,7 +36028,7 @@
                 <a:latin typeface="Roboto"/>
                 <a:ea typeface="Roboto"/>
               </a:rPr>
-              <a:t>­­­­­ID: Q-20-04-01</a:t>
+              <a:t>ID: Q-20-04-01</a:t>
             </a:r>
             <a:endParaRPr/>
           </a:p>
@@ -36253,7 +36155,7 @@
           <a:graphicData uri="http://schemas.openxmlformats.org/drawingml/2006/table">
             <a:tbl>
               <a:tblPr firstRow="0" firstCol="0" lastRow="0" lastCol="0" bandRow="0" bandCol="0">
-                <a:tableStyleId>{BF7E75CB-FBE1-BEB3-4AE6-39638113799B}</a:tableStyleId>
+                <a:tableStyleId>{C0AC5CE4-098C-515E-A7E2-BAF6AB3F29FB}</a:tableStyleId>
               </a:tblPr>
               <a:tblGrid>
                 <a:gridCol w="387696"/>
@@ -36292,15 +36194,13 @@
                   <a:txBody>
                     <a:bodyPr/>
                     <a:p>
-                      <a:pPr marL="342900" lvl="0" indent="-342900">
+                      <a:pPr lvl="0">
                         <a:lnSpc>
                           <a:spcPct val="114999"/>
                         </a:lnSpc>
                         <a:spcAft>
                           <a:spcPts val="300"/>
                         </a:spcAft>
-                        <a:buFont typeface="+mj-lt"/>
-                        <a:buAutoNum type="alphaLcParenBoth"/>
                         <a:defRPr/>
                       </a:pPr>
                       <a:r>
@@ -36308,7 +36208,7 @@
                           <a:latin typeface="Roboto"/>
                           <a:ea typeface="Roboto"/>
                         </a:rPr>
-                        <a:t>Exactly one for all kinds of systems.</a:t>
+                        <a:t>(a) Exactly one for all kinds of systems.</a:t>
                       </a:r>
                       <a:endParaRPr lang="de-DE" sz="1800">
                         <a:latin typeface="Roboto"/>
